--- a/Minhaz/Automatic_Bengali_News_Generation.pptx
+++ b/Minhaz/Automatic_Bengali_News_Generation.pptx
@@ -355,7 +355,7 @@
             <a:fld id="{9978B490-2E2F-4BA6-9151-AC77A3AB02CA}" type="datetimeFigureOut">
               <a:rPr lang="en-US" smtClean="0"/>
               <a:pPr/>
-              <a:t>04-Dec-19</a:t>
+              <a:t>09-Dec-19</a:t>
             </a:fld>
             <a:endParaRPr lang="en-US"/>
           </a:p>
@@ -565,7 +565,7 @@
             <a:fld id="{9978B490-2E2F-4BA6-9151-AC77A3AB02CA}" type="datetimeFigureOut">
               <a:rPr lang="en-US" smtClean="0"/>
               <a:pPr/>
-              <a:t>04-Dec-19</a:t>
+              <a:t>09-Dec-19</a:t>
             </a:fld>
             <a:endParaRPr lang="en-US"/>
           </a:p>
@@ -823,7 +823,7 @@
             <a:fld id="{9978B490-2E2F-4BA6-9151-AC77A3AB02CA}" type="datetimeFigureOut">
               <a:rPr lang="en-US" smtClean="0"/>
               <a:pPr/>
-              <a:t>04-Dec-19</a:t>
+              <a:t>09-Dec-19</a:t>
             </a:fld>
             <a:endParaRPr lang="en-US"/>
           </a:p>
@@ -999,7 +999,7 @@
             <a:fld id="{9978B490-2E2F-4BA6-9151-AC77A3AB02CA}" type="datetimeFigureOut">
               <a:rPr lang="en-US" smtClean="0"/>
               <a:pPr/>
-              <a:t>04-Dec-19</a:t>
+              <a:t>09-Dec-19</a:t>
             </a:fld>
             <a:endParaRPr lang="en-US"/>
           </a:p>
@@ -1344,7 +1344,7 @@
             <a:fld id="{9978B490-2E2F-4BA6-9151-AC77A3AB02CA}" type="datetimeFigureOut">
               <a:rPr lang="en-US" smtClean="0"/>
               <a:pPr/>
-              <a:t>04-Dec-19</a:t>
+              <a:t>09-Dec-19</a:t>
             </a:fld>
             <a:endParaRPr lang="en-US"/>
           </a:p>
@@ -1621,7 +1621,7 @@
             <a:fld id="{9978B490-2E2F-4BA6-9151-AC77A3AB02CA}" type="datetimeFigureOut">
               <a:rPr lang="en-US" smtClean="0"/>
               <a:pPr/>
-              <a:t>04-Dec-19</a:t>
+              <a:t>09-Dec-19</a:t>
             </a:fld>
             <a:endParaRPr lang="en-US"/>
           </a:p>
@@ -2002,7 +2002,7 @@
             <a:fld id="{9978B490-2E2F-4BA6-9151-AC77A3AB02CA}" type="datetimeFigureOut">
               <a:rPr lang="en-US" smtClean="0"/>
               <a:pPr/>
-              <a:t>04-Dec-19</a:t>
+              <a:t>09-Dec-19</a:t>
             </a:fld>
             <a:endParaRPr lang="en-US"/>
           </a:p>
@@ -2122,7 +2122,7 @@
             <a:fld id="{9978B490-2E2F-4BA6-9151-AC77A3AB02CA}" type="datetimeFigureOut">
               <a:rPr lang="en-US" smtClean="0"/>
               <a:pPr/>
-              <a:t>04-Dec-19</a:t>
+              <a:t>09-Dec-19</a:t>
             </a:fld>
             <a:endParaRPr lang="en-US"/>
           </a:p>
@@ -2295,7 +2295,7 @@
             <a:fld id="{9978B490-2E2F-4BA6-9151-AC77A3AB02CA}" type="datetimeFigureOut">
               <a:rPr lang="en-US" smtClean="0"/>
               <a:pPr/>
-              <a:t>04-Dec-19</a:t>
+              <a:t>09-Dec-19</a:t>
             </a:fld>
             <a:endParaRPr lang="en-US"/>
           </a:p>
@@ -2651,7 +2651,7 @@
             <a:fld id="{9978B490-2E2F-4BA6-9151-AC77A3AB02CA}" type="datetimeFigureOut">
               <a:rPr lang="en-US" smtClean="0"/>
               <a:pPr/>
-              <a:t>04-Dec-19</a:t>
+              <a:t>09-Dec-19</a:t>
             </a:fld>
             <a:endParaRPr lang="en-US"/>
           </a:p>
@@ -3035,7 +3035,7 @@
             <a:fld id="{9978B490-2E2F-4BA6-9151-AC77A3AB02CA}" type="datetimeFigureOut">
               <a:rPr lang="en-US" smtClean="0"/>
               <a:pPr/>
-              <a:t>04-Dec-19</a:t>
+              <a:t>09-Dec-19</a:t>
             </a:fld>
             <a:endParaRPr lang="en-US"/>
           </a:p>
@@ -3324,7 +3324,7 @@
             <a:fld id="{9978B490-2E2F-4BA6-9151-AC77A3AB02CA}" type="datetimeFigureOut">
               <a:rPr lang="en-US" smtClean="0"/>
               <a:pPr/>
-              <a:t>04-Dec-19</a:t>
+              <a:t>09-Dec-19</a:t>
             </a:fld>
             <a:endParaRPr lang="en-US"/>
           </a:p>
@@ -3875,10 +3875,6 @@
               <a:rPr lang="en-US" sz="3600" dirty="0" smtClean="0"/>
               <a:t>A Project Progress Report on</a:t>
             </a:r>
-            <a:r>
-              <a:rPr lang="en-US" sz="3600" dirty="0" smtClean="0"/>
-              <a:t/>
-            </a:r>
             <a:br>
               <a:rPr lang="en-US" sz="3600" dirty="0" smtClean="0"/>
             </a:br>
@@ -3932,10 +3928,6 @@
               </a:rPr>
               <a:t>North South University</a:t>
             </a:r>
-            <a:endParaRPr lang="en-US" sz="1600" dirty="0" smtClean="0">
-              <a:latin typeface="Arial" panose="020B0604020202020204" pitchFamily="34" charset="0"/>
-              <a:cs typeface="Arial" panose="020B0604020202020204" pitchFamily="34" charset="0"/>
-            </a:endParaRPr>
           </a:p>
           <a:p>
             <a:pPr algn="l"/>
@@ -3958,14 +3950,7 @@
                 <a:latin typeface="Arial" panose="020B0604020202020204" pitchFamily="34" charset="0"/>
                 <a:cs typeface="Arial" panose="020B0604020202020204" pitchFamily="34" charset="0"/>
               </a:rPr>
-              <a:t>Presented </a:t>
-            </a:r>
-            <a:r>
-              <a:rPr lang="en-US" sz="1600" dirty="0" smtClean="0">
-                <a:latin typeface="Arial" panose="020B0604020202020204" pitchFamily="34" charset="0"/>
-                <a:cs typeface="Arial" panose="020B0604020202020204" pitchFamily="34" charset="0"/>
-              </a:rPr>
-              <a:t>by:</a:t>
+              <a:t>Presented by:</a:t>
             </a:r>
           </a:p>
           <a:p>
@@ -4066,11 +4051,7 @@
           <a:p>
             <a:r>
               <a:rPr lang="en-US" dirty="0" smtClean="0"/>
-              <a:t>Automatic Bengali News Generation – </a:t>
-            </a:r>
-            <a:r>
-              <a:rPr lang="en-US" dirty="0" smtClean="0"/>
-              <a:t>Overview</a:t>
+              <a:t>Automatic Bengali News Generation – Overview</a:t>
             </a:r>
             <a:endParaRPr lang="en-US" dirty="0"/>
           </a:p>
@@ -4099,11 +4080,7 @@
             </a:r>
             <a:r>
               <a:rPr lang="en-US" sz="2400" dirty="0" smtClean="0"/>
-              <a:t> Automatically g</a:t>
-            </a:r>
-            <a:r>
-              <a:rPr lang="en-US" sz="2400" dirty="0" smtClean="0"/>
-              <a:t>enerate a piece of </a:t>
+              <a:t> Automatically generate a piece of </a:t>
             </a:r>
             <a:r>
               <a:rPr lang="en-US" sz="2400" dirty="0"/>
@@ -4149,7 +4126,6 @@
               <a:rPr lang="en-US" sz="2400" dirty="0" smtClean="0"/>
               <a:t>with LSTM Network</a:t>
             </a:r>
-            <a:endParaRPr lang="en-US" sz="2400" dirty="0" smtClean="0"/>
           </a:p>
         </p:txBody>
       </p:sp>
@@ -5092,7 +5068,6 @@
               <a:rPr lang="en-US" sz="2400" dirty="0" smtClean="0"/>
               <a:t>Work Progress</a:t>
             </a:r>
-            <a:endParaRPr lang="en-US" sz="2400" dirty="0" smtClean="0"/>
           </a:p>
         </p:txBody>
       </p:sp>
@@ -6035,7 +6010,6 @@
               <a:rPr lang="en-US" sz="2400" dirty="0" smtClean="0"/>
               <a:t>Future Work</a:t>
             </a:r>
-            <a:endParaRPr lang="en-US" sz="2400" dirty="0" smtClean="0"/>
           </a:p>
         </p:txBody>
       </p:sp>
@@ -6883,8 +6857,8 @@
         </p:nvSpPr>
         <p:spPr>
           <a:xfrm>
-            <a:off x="1532264" y="2241823"/>
-            <a:ext cx="1339403" cy="646331"/>
+            <a:off x="579968" y="2241823"/>
+            <a:ext cx="2291699" cy="646331"/>
           </a:xfrm>
           <a:prstGeom prst="rect">
             <a:avLst/>
@@ -6898,14 +6872,44 @@
           <a:lstStyle/>
           <a:p>
             <a:r>
-              <a:rPr lang="en-US" dirty="0"/>
+              <a:rPr lang="en-US" dirty="0">
+                <a:solidFill>
+                  <a:srgbClr val="0070C0"/>
+                </a:solidFill>
+              </a:rPr>
               <a:t>5</a:t>
             </a:r>
             <a:r>
-              <a:rPr lang="en-US" dirty="0" smtClean="0"/>
-              <a:t>00 Article Corpus</a:t>
-            </a:r>
-            <a:endParaRPr lang="en-US" dirty="0"/>
+              <a:rPr lang="en-US" dirty="0" smtClean="0">
+                <a:solidFill>
+                  <a:srgbClr val="0070C0"/>
+                </a:solidFill>
+              </a:rPr>
+              <a:t>00 Article </a:t>
+            </a:r>
+            <a:r>
+              <a:rPr lang="en-US" dirty="0" smtClean="0">
+                <a:solidFill>
+                  <a:srgbClr val="0070C0"/>
+                </a:solidFill>
+              </a:rPr>
+              <a:t>Corpus</a:t>
+            </a:r>
+          </a:p>
+          <a:p>
+            <a:r>
+              <a:rPr lang="en-US" dirty="0" smtClean="0">
+                <a:solidFill>
+                  <a:srgbClr val="0070C0"/>
+                </a:solidFill>
+              </a:rPr>
+              <a:t>~40 Articles Gathered</a:t>
+            </a:r>
+            <a:endParaRPr lang="en-US" dirty="0">
+              <a:solidFill>
+                <a:srgbClr val="0070C0"/>
+              </a:solidFill>
+            </a:endParaRPr>
           </a:p>
         </p:txBody>
       </p:sp>
@@ -6917,8 +6921,8 @@
         </p:nvSpPr>
         <p:spPr>
           <a:xfrm>
-            <a:off x="3732405" y="2265433"/>
-            <a:ext cx="1063260" cy="646331"/>
+            <a:off x="3104226" y="2265433"/>
+            <a:ext cx="1691439" cy="646331"/>
           </a:xfrm>
           <a:prstGeom prst="rect">
             <a:avLst/>
@@ -6932,10 +6936,36 @@
           <a:lstStyle/>
           <a:p>
             <a:r>
-              <a:rPr lang="en-US" dirty="0" smtClean="0"/>
-              <a:t>Cleanup Code</a:t>
-            </a:r>
-            <a:endParaRPr lang="en-US" dirty="0"/>
+              <a:rPr lang="en-US" dirty="0" smtClean="0">
+                <a:solidFill>
+                  <a:srgbClr val="0070C0"/>
+                </a:solidFill>
+              </a:rPr>
+              <a:t>Cleanup </a:t>
+            </a:r>
+            <a:r>
+              <a:rPr lang="en-US" dirty="0" smtClean="0">
+                <a:solidFill>
+                  <a:srgbClr val="0070C0"/>
+                </a:solidFill>
+              </a:rPr>
+              <a:t>Code – </a:t>
+            </a:r>
+          </a:p>
+          <a:p>
+            <a:r>
+              <a:rPr lang="en-US" dirty="0" smtClean="0">
+                <a:solidFill>
+                  <a:srgbClr val="0070C0"/>
+                </a:solidFill>
+              </a:rPr>
+              <a:t>Part done</a:t>
+            </a:r>
+            <a:endParaRPr lang="en-US" dirty="0">
+              <a:solidFill>
+                <a:srgbClr val="0070C0"/>
+              </a:solidFill>
+            </a:endParaRPr>
           </a:p>
         </p:txBody>
       </p:sp>
@@ -7331,11 +7361,7 @@
             </a:pPr>
             <a:r>
               <a:rPr lang="en-US" sz="2400" dirty="0" smtClean="0"/>
-              <a:t>Automatic Text Generation in Macedonian Using Recurrent Neural Networks (</a:t>
-            </a:r>
-            <a:r>
-              <a:rPr lang="en-US" sz="2400" dirty="0" smtClean="0"/>
-              <a:t>Springer Nature Switzerland, August 2019)</a:t>
+              <a:t>Automatic Text Generation in Macedonian Using Recurrent Neural Networks (Springer Nature Switzerland, August 2019)</a:t>
             </a:r>
           </a:p>
           <a:p>

--- a/Minhaz/Automatic_Bengali_News_Generation.pptx
+++ b/Minhaz/Automatic_Bengali_News_Generation.pptx
@@ -355,7 +355,7 @@
             <a:fld id="{9978B490-2E2F-4BA6-9151-AC77A3AB02CA}" type="datetimeFigureOut">
               <a:rPr lang="en-US" smtClean="0"/>
               <a:pPr/>
-              <a:t>09-Dec-19</a:t>
+              <a:t>10-Dec-19</a:t>
             </a:fld>
             <a:endParaRPr lang="en-US"/>
           </a:p>
@@ -565,7 +565,7 @@
             <a:fld id="{9978B490-2E2F-4BA6-9151-AC77A3AB02CA}" type="datetimeFigureOut">
               <a:rPr lang="en-US" smtClean="0"/>
               <a:pPr/>
-              <a:t>09-Dec-19</a:t>
+              <a:t>10-Dec-19</a:t>
             </a:fld>
             <a:endParaRPr lang="en-US"/>
           </a:p>
@@ -823,7 +823,7 @@
             <a:fld id="{9978B490-2E2F-4BA6-9151-AC77A3AB02CA}" type="datetimeFigureOut">
               <a:rPr lang="en-US" smtClean="0"/>
               <a:pPr/>
-              <a:t>09-Dec-19</a:t>
+              <a:t>10-Dec-19</a:t>
             </a:fld>
             <a:endParaRPr lang="en-US"/>
           </a:p>
@@ -999,7 +999,7 @@
             <a:fld id="{9978B490-2E2F-4BA6-9151-AC77A3AB02CA}" type="datetimeFigureOut">
               <a:rPr lang="en-US" smtClean="0"/>
               <a:pPr/>
-              <a:t>09-Dec-19</a:t>
+              <a:t>10-Dec-19</a:t>
             </a:fld>
             <a:endParaRPr lang="en-US"/>
           </a:p>
@@ -1344,7 +1344,7 @@
             <a:fld id="{9978B490-2E2F-4BA6-9151-AC77A3AB02CA}" type="datetimeFigureOut">
               <a:rPr lang="en-US" smtClean="0"/>
               <a:pPr/>
-              <a:t>09-Dec-19</a:t>
+              <a:t>10-Dec-19</a:t>
             </a:fld>
             <a:endParaRPr lang="en-US"/>
           </a:p>
@@ -1621,7 +1621,7 @@
             <a:fld id="{9978B490-2E2F-4BA6-9151-AC77A3AB02CA}" type="datetimeFigureOut">
               <a:rPr lang="en-US" smtClean="0"/>
               <a:pPr/>
-              <a:t>09-Dec-19</a:t>
+              <a:t>10-Dec-19</a:t>
             </a:fld>
             <a:endParaRPr lang="en-US"/>
           </a:p>
@@ -2002,7 +2002,7 @@
             <a:fld id="{9978B490-2E2F-4BA6-9151-AC77A3AB02CA}" type="datetimeFigureOut">
               <a:rPr lang="en-US" smtClean="0"/>
               <a:pPr/>
-              <a:t>09-Dec-19</a:t>
+              <a:t>10-Dec-19</a:t>
             </a:fld>
             <a:endParaRPr lang="en-US"/>
           </a:p>
@@ -2122,7 +2122,7 @@
             <a:fld id="{9978B490-2E2F-4BA6-9151-AC77A3AB02CA}" type="datetimeFigureOut">
               <a:rPr lang="en-US" smtClean="0"/>
               <a:pPr/>
-              <a:t>09-Dec-19</a:t>
+              <a:t>10-Dec-19</a:t>
             </a:fld>
             <a:endParaRPr lang="en-US"/>
           </a:p>
@@ -2295,7 +2295,7 @@
             <a:fld id="{9978B490-2E2F-4BA6-9151-AC77A3AB02CA}" type="datetimeFigureOut">
               <a:rPr lang="en-US" smtClean="0"/>
               <a:pPr/>
-              <a:t>09-Dec-19</a:t>
+              <a:t>10-Dec-19</a:t>
             </a:fld>
             <a:endParaRPr lang="en-US"/>
           </a:p>
@@ -2651,7 +2651,7 @@
             <a:fld id="{9978B490-2E2F-4BA6-9151-AC77A3AB02CA}" type="datetimeFigureOut">
               <a:rPr lang="en-US" smtClean="0"/>
               <a:pPr/>
-              <a:t>09-Dec-19</a:t>
+              <a:t>10-Dec-19</a:t>
             </a:fld>
             <a:endParaRPr lang="en-US"/>
           </a:p>
@@ -3035,7 +3035,7 @@
             <a:fld id="{9978B490-2E2F-4BA6-9151-AC77A3AB02CA}" type="datetimeFigureOut">
               <a:rPr lang="en-US" smtClean="0"/>
               <a:pPr/>
-              <a:t>09-Dec-19</a:t>
+              <a:t>10-Dec-19</a:t>
             </a:fld>
             <a:endParaRPr lang="en-US"/>
           </a:p>
@@ -3324,7 +3324,7 @@
             <a:fld id="{9978B490-2E2F-4BA6-9151-AC77A3AB02CA}" type="datetimeFigureOut">
               <a:rPr lang="en-US" smtClean="0"/>
               <a:pPr/>
-              <a:t>09-Dec-19</a:t>
+              <a:t>10-Dec-19</a:t>
             </a:fld>
             <a:endParaRPr lang="en-US"/>
           </a:p>
@@ -6885,15 +6885,7 @@
                   <a:srgbClr val="0070C0"/>
                 </a:solidFill>
               </a:rPr>
-              <a:t>00 Article </a:t>
-            </a:r>
-            <a:r>
-              <a:rPr lang="en-US" dirty="0" smtClean="0">
-                <a:solidFill>
-                  <a:srgbClr val="0070C0"/>
-                </a:solidFill>
-              </a:rPr>
-              <a:t>Corpus</a:t>
+              <a:t>00 Article Corpus</a:t>
             </a:r>
           </a:p>
           <a:p>
@@ -6941,15 +6933,7 @@
                   <a:srgbClr val="0070C0"/>
                 </a:solidFill>
               </a:rPr>
-              <a:t>Cleanup </a:t>
-            </a:r>
-            <a:r>
-              <a:rPr lang="en-US" dirty="0" smtClean="0">
-                <a:solidFill>
-                  <a:srgbClr val="0070C0"/>
-                </a:solidFill>
-              </a:rPr>
-              <a:t>Code – </a:t>
+              <a:t>Cleanup Code – </a:t>
             </a:r>
           </a:p>
           <a:p>
@@ -6993,7 +6977,15 @@
           <a:p>
             <a:r>
               <a:rPr lang="en-US" dirty="0" smtClean="0"/>
-              <a:t>Try: Bag of Words, Word2Vec, Glove, etc.</a:t>
+              <a:t>Try: </a:t>
+            </a:r>
+            <a:r>
+              <a:rPr lang="en-US" strike="sngStrike" dirty="0" smtClean="0"/>
+              <a:t>Bag of Words</a:t>
+            </a:r>
+            <a:r>
+              <a:rPr lang="en-US" dirty="0" smtClean="0"/>
+              <a:t>, Word2Vec, Glove, etc.</a:t>
             </a:r>
             <a:endParaRPr lang="en-US" dirty="0"/>
           </a:p>

--- a/Minhaz/Automatic_Bengali_News_Generation.pptx
+++ b/Minhaz/Automatic_Bengali_News_Generation.pptx
@@ -355,7 +355,7 @@
             <a:fld id="{9978B490-2E2F-4BA6-9151-AC77A3AB02CA}" type="datetimeFigureOut">
               <a:rPr lang="en-US" smtClean="0"/>
               <a:pPr/>
-              <a:t>10-Dec-19</a:t>
+              <a:t>15-Dec-19</a:t>
             </a:fld>
             <a:endParaRPr lang="en-US"/>
           </a:p>
@@ -565,7 +565,7 @@
             <a:fld id="{9978B490-2E2F-4BA6-9151-AC77A3AB02CA}" type="datetimeFigureOut">
               <a:rPr lang="en-US" smtClean="0"/>
               <a:pPr/>
-              <a:t>10-Dec-19</a:t>
+              <a:t>15-Dec-19</a:t>
             </a:fld>
             <a:endParaRPr lang="en-US"/>
           </a:p>
@@ -823,7 +823,7 @@
             <a:fld id="{9978B490-2E2F-4BA6-9151-AC77A3AB02CA}" type="datetimeFigureOut">
               <a:rPr lang="en-US" smtClean="0"/>
               <a:pPr/>
-              <a:t>10-Dec-19</a:t>
+              <a:t>15-Dec-19</a:t>
             </a:fld>
             <a:endParaRPr lang="en-US"/>
           </a:p>
@@ -999,7 +999,7 @@
             <a:fld id="{9978B490-2E2F-4BA6-9151-AC77A3AB02CA}" type="datetimeFigureOut">
               <a:rPr lang="en-US" smtClean="0"/>
               <a:pPr/>
-              <a:t>10-Dec-19</a:t>
+              <a:t>15-Dec-19</a:t>
             </a:fld>
             <a:endParaRPr lang="en-US"/>
           </a:p>
@@ -1344,7 +1344,7 @@
             <a:fld id="{9978B490-2E2F-4BA6-9151-AC77A3AB02CA}" type="datetimeFigureOut">
               <a:rPr lang="en-US" smtClean="0"/>
               <a:pPr/>
-              <a:t>10-Dec-19</a:t>
+              <a:t>15-Dec-19</a:t>
             </a:fld>
             <a:endParaRPr lang="en-US"/>
           </a:p>
@@ -1621,7 +1621,7 @@
             <a:fld id="{9978B490-2E2F-4BA6-9151-AC77A3AB02CA}" type="datetimeFigureOut">
               <a:rPr lang="en-US" smtClean="0"/>
               <a:pPr/>
-              <a:t>10-Dec-19</a:t>
+              <a:t>15-Dec-19</a:t>
             </a:fld>
             <a:endParaRPr lang="en-US"/>
           </a:p>
@@ -2002,7 +2002,7 @@
             <a:fld id="{9978B490-2E2F-4BA6-9151-AC77A3AB02CA}" type="datetimeFigureOut">
               <a:rPr lang="en-US" smtClean="0"/>
               <a:pPr/>
-              <a:t>10-Dec-19</a:t>
+              <a:t>15-Dec-19</a:t>
             </a:fld>
             <a:endParaRPr lang="en-US"/>
           </a:p>
@@ -2122,7 +2122,7 @@
             <a:fld id="{9978B490-2E2F-4BA6-9151-AC77A3AB02CA}" type="datetimeFigureOut">
               <a:rPr lang="en-US" smtClean="0"/>
               <a:pPr/>
-              <a:t>10-Dec-19</a:t>
+              <a:t>15-Dec-19</a:t>
             </a:fld>
             <a:endParaRPr lang="en-US"/>
           </a:p>
@@ -2295,7 +2295,7 @@
             <a:fld id="{9978B490-2E2F-4BA6-9151-AC77A3AB02CA}" type="datetimeFigureOut">
               <a:rPr lang="en-US" smtClean="0"/>
               <a:pPr/>
-              <a:t>10-Dec-19</a:t>
+              <a:t>15-Dec-19</a:t>
             </a:fld>
             <a:endParaRPr lang="en-US"/>
           </a:p>
@@ -2651,7 +2651,7 @@
             <a:fld id="{9978B490-2E2F-4BA6-9151-AC77A3AB02CA}" type="datetimeFigureOut">
               <a:rPr lang="en-US" smtClean="0"/>
               <a:pPr/>
-              <a:t>10-Dec-19</a:t>
+              <a:t>15-Dec-19</a:t>
             </a:fld>
             <a:endParaRPr lang="en-US"/>
           </a:p>
@@ -3035,7 +3035,7 @@
             <a:fld id="{9978B490-2E2F-4BA6-9151-AC77A3AB02CA}" type="datetimeFigureOut">
               <a:rPr lang="en-US" smtClean="0"/>
               <a:pPr/>
-              <a:t>10-Dec-19</a:t>
+              <a:t>15-Dec-19</a:t>
             </a:fld>
             <a:endParaRPr lang="en-US"/>
           </a:p>
@@ -3324,7 +3324,7 @@
             <a:fld id="{9978B490-2E2F-4BA6-9151-AC77A3AB02CA}" type="datetimeFigureOut">
               <a:rPr lang="en-US" smtClean="0"/>
               <a:pPr/>
-              <a:t>10-Dec-19</a:t>
+              <a:t>15-Dec-19</a:t>
             </a:fld>
             <a:endParaRPr lang="en-US"/>
           </a:p>
@@ -6943,7 +6943,7 @@
                   <a:srgbClr val="0070C0"/>
                 </a:solidFill>
               </a:rPr>
-              <a:t>Part done</a:t>
+              <a:t>Done</a:t>
             </a:r>
             <a:endParaRPr lang="en-US" dirty="0">
               <a:solidFill>
@@ -6961,8 +6961,8 @@
         </p:nvSpPr>
         <p:spPr>
           <a:xfrm>
-            <a:off x="5444322" y="2231803"/>
-            <a:ext cx="2237919" cy="646331"/>
+            <a:off x="5365973" y="2159990"/>
+            <a:ext cx="2237919" cy="923330"/>
           </a:xfrm>
           <a:prstGeom prst="rect">
             <a:avLst/>
@@ -6985,7 +6985,23 @@
             </a:r>
             <a:r>
               <a:rPr lang="en-US" dirty="0" smtClean="0"/>
-              <a:t>, Word2Vec, Glove, etc.</a:t>
+              <a:t>, </a:t>
+            </a:r>
+            <a:r>
+              <a:rPr lang="en-US" dirty="0" smtClean="0">
+                <a:solidFill>
+                  <a:srgbClr val="0070C0"/>
+                </a:solidFill>
+              </a:rPr>
+              <a:t>Word2Vec trying</a:t>
+            </a:r>
+            <a:r>
+              <a:rPr lang="en-US" dirty="0" smtClean="0"/>
+              <a:t>, </a:t>
+            </a:r>
+            <a:r>
+              <a:rPr lang="en-US" dirty="0" smtClean="0"/>
+              <a:t>Glove, etc.</a:t>
             </a:r>
             <a:endParaRPr lang="en-US" dirty="0"/>
           </a:p>
